--- a/ppt/3.5-类的多态.pptx
+++ b/ppt/3.5-类的多态.pptx
@@ -41,10 +41,10 @@
         <a:solidFill>
           <a:srgbClr val="000000"/>
         </a:solidFill>
-        <a:latin typeface="Arial" panose="02080604020202020204" charset="0"/>
-        <a:ea typeface="Arial" panose="02080604020202020204" charset="0"/>
-        <a:cs typeface="Arial" panose="02080604020202020204" charset="0"/>
-        <a:sym typeface="Arial" panose="02080604020202020204" charset="0"/>
+        <a:latin typeface="Arial" charset="0"/>
+        <a:ea typeface="Arial" charset="0"/>
+        <a:cs typeface="Arial" charset="0"/>
+        <a:sym typeface="Arial" charset="0"/>
       </a:defRPr>
     </a:lvl1pPr>
     <a:lvl2pPr marR="0" lvl="1" algn="l" rtl="0">
@@ -62,10 +62,10 @@
         <a:solidFill>
           <a:srgbClr val="000000"/>
         </a:solidFill>
-        <a:latin typeface="Arial" panose="02080604020202020204" charset="0"/>
-        <a:ea typeface="Arial" panose="02080604020202020204" charset="0"/>
-        <a:cs typeface="Arial" panose="02080604020202020204" charset="0"/>
-        <a:sym typeface="Arial" panose="02080604020202020204" charset="0"/>
+        <a:latin typeface="Arial" charset="0"/>
+        <a:ea typeface="Arial" charset="0"/>
+        <a:cs typeface="Arial" charset="0"/>
+        <a:sym typeface="Arial" charset="0"/>
       </a:defRPr>
     </a:lvl2pPr>
     <a:lvl3pPr marR="0" lvl="2" algn="l" rtl="0">
@@ -83,10 +83,10 @@
         <a:solidFill>
           <a:srgbClr val="000000"/>
         </a:solidFill>
-        <a:latin typeface="Arial" panose="02080604020202020204" charset="0"/>
-        <a:ea typeface="Arial" panose="02080604020202020204" charset="0"/>
-        <a:cs typeface="Arial" panose="02080604020202020204" charset="0"/>
-        <a:sym typeface="Arial" panose="02080604020202020204" charset="0"/>
+        <a:latin typeface="Arial" charset="0"/>
+        <a:ea typeface="Arial" charset="0"/>
+        <a:cs typeface="Arial" charset="0"/>
+        <a:sym typeface="Arial" charset="0"/>
       </a:defRPr>
     </a:lvl3pPr>
     <a:lvl4pPr marR="0" lvl="3" algn="l" rtl="0">
@@ -104,10 +104,10 @@
         <a:solidFill>
           <a:srgbClr val="000000"/>
         </a:solidFill>
-        <a:latin typeface="Arial" panose="02080604020202020204" charset="0"/>
-        <a:ea typeface="Arial" panose="02080604020202020204" charset="0"/>
-        <a:cs typeface="Arial" panose="02080604020202020204" charset="0"/>
-        <a:sym typeface="Arial" panose="02080604020202020204" charset="0"/>
+        <a:latin typeface="Arial" charset="0"/>
+        <a:ea typeface="Arial" charset="0"/>
+        <a:cs typeface="Arial" charset="0"/>
+        <a:sym typeface="Arial" charset="0"/>
       </a:defRPr>
     </a:lvl4pPr>
     <a:lvl5pPr marR="0" lvl="4" algn="l" rtl="0">
@@ -125,10 +125,10 @@
         <a:solidFill>
           <a:srgbClr val="000000"/>
         </a:solidFill>
-        <a:latin typeface="Arial" panose="02080604020202020204" charset="0"/>
-        <a:ea typeface="Arial" panose="02080604020202020204" charset="0"/>
-        <a:cs typeface="Arial" panose="02080604020202020204" charset="0"/>
-        <a:sym typeface="Arial" panose="02080604020202020204" charset="0"/>
+        <a:latin typeface="Arial" charset="0"/>
+        <a:ea typeface="Arial" charset="0"/>
+        <a:cs typeface="Arial" charset="0"/>
+        <a:sym typeface="Arial" charset="0"/>
       </a:defRPr>
     </a:lvl5pPr>
     <a:lvl6pPr marR="0" lvl="5" algn="l" rtl="0">
@@ -146,10 +146,10 @@
         <a:solidFill>
           <a:srgbClr val="000000"/>
         </a:solidFill>
-        <a:latin typeface="Arial" panose="02080604020202020204" charset="0"/>
-        <a:ea typeface="Arial" panose="02080604020202020204" charset="0"/>
-        <a:cs typeface="Arial" panose="02080604020202020204" charset="0"/>
-        <a:sym typeface="Arial" panose="02080604020202020204" charset="0"/>
+        <a:latin typeface="Arial" charset="0"/>
+        <a:ea typeface="Arial" charset="0"/>
+        <a:cs typeface="Arial" charset="0"/>
+        <a:sym typeface="Arial" charset="0"/>
       </a:defRPr>
     </a:lvl6pPr>
     <a:lvl7pPr marR="0" lvl="6" algn="l" rtl="0">
@@ -167,10 +167,10 @@
         <a:solidFill>
           <a:srgbClr val="000000"/>
         </a:solidFill>
-        <a:latin typeface="Arial" panose="02080604020202020204" charset="0"/>
-        <a:ea typeface="Arial" panose="02080604020202020204" charset="0"/>
-        <a:cs typeface="Arial" panose="02080604020202020204" charset="0"/>
-        <a:sym typeface="Arial" panose="02080604020202020204" charset="0"/>
+        <a:latin typeface="Arial" charset="0"/>
+        <a:ea typeface="Arial" charset="0"/>
+        <a:cs typeface="Arial" charset="0"/>
+        <a:sym typeface="Arial" charset="0"/>
       </a:defRPr>
     </a:lvl7pPr>
     <a:lvl8pPr marR="0" lvl="7" algn="l" rtl="0">
@@ -188,10 +188,10 @@
         <a:solidFill>
           <a:srgbClr val="000000"/>
         </a:solidFill>
-        <a:latin typeface="Arial" panose="02080604020202020204" charset="0"/>
-        <a:ea typeface="Arial" panose="02080604020202020204" charset="0"/>
-        <a:cs typeface="Arial" panose="02080604020202020204" charset="0"/>
-        <a:sym typeface="Arial" panose="02080604020202020204" charset="0"/>
+        <a:latin typeface="Arial" charset="0"/>
+        <a:ea typeface="Arial" charset="0"/>
+        <a:cs typeface="Arial" charset="0"/>
+        <a:sym typeface="Arial" charset="0"/>
       </a:defRPr>
     </a:lvl8pPr>
     <a:lvl9pPr marR="0" lvl="8" algn="l" rtl="0">
@@ -209,10 +209,10 @@
         <a:solidFill>
           <a:srgbClr val="000000"/>
         </a:solidFill>
-        <a:latin typeface="Arial" panose="02080604020202020204" charset="0"/>
-        <a:ea typeface="Arial" panose="02080604020202020204" charset="0"/>
-        <a:cs typeface="Arial" panose="02080604020202020204" charset="0"/>
-        <a:sym typeface="Arial" panose="02080604020202020204" charset="0"/>
+        <a:latin typeface="Arial" charset="0"/>
+        <a:ea typeface="Arial" charset="0"/>
+        <a:cs typeface="Arial" charset="0"/>
+        <a:sym typeface="Arial" charset="0"/>
       </a:defRPr>
     </a:lvl9pPr>
   </p:defaultTextStyle>
@@ -224,6 +224,7 @@
   <p:cSld>
     <p:bg>
       <p:bgPr>
+        <a:noFill/>
         <a:effectLst/>
       </p:bgPr>
     </p:bg>
@@ -466,6 +467,7 @@
               <a:rPr lang="en-GB"/>
               <a:t>大家好，这一节，我们来介绍关于Python类的多态</a:t>
             </a:r>
+            <a:endParaRPr lang="en-GB"/>
           </a:p>
         </p:txBody>
       </p:sp>
@@ -565,6 +567,7 @@
               <a:rPr lang="en-GB"/>
               <a:t>这个现象在现实生活中其实很常见。就是一个群体的人，总体上属于一个大的类别，但是细微之处又有很多的区别。在做同一件事的时候，会有不同的流程和方法，会有不同的反馈，这就是多态。</a:t>
             </a:r>
+            <a:endParaRPr lang="en-GB"/>
           </a:p>
         </p:txBody>
       </p:sp>
@@ -664,6 +667,7 @@
               <a:rPr lang="en-GB"/>
               <a:t>多态有两个大的要素，一个是继承，这个不用说，必须是一些有共同父类的类，这样他们就会从父类继承相应的方法。还一个就是重写，正是因为各个子类的重写，让他们同一个方法呈现出一些不同的东西。</a:t>
             </a:r>
+            <a:endParaRPr lang="en-GB"/>
           </a:p>
         </p:txBody>
       </p:sp>
@@ -961,6 +965,7 @@
             <a:fld id="{00000000-1234-1234-1234-123412341234}" type="slidenum">
               <a:rPr lang="en-GB"/>
             </a:fld>
+            <a:endParaRPr lang="en-GB"/>
           </a:p>
         </p:txBody>
       </p:sp>
@@ -1186,6 +1191,7 @@
             <a:fld id="{00000000-1234-1234-1234-123412341234}" type="slidenum">
               <a:rPr lang="en-GB"/>
             </a:fld>
+            <a:endParaRPr lang="en-GB"/>
           </a:p>
         </p:txBody>
       </p:sp>
@@ -1246,6 +1252,7 @@
             <a:fld id="{00000000-1234-1234-1234-123412341234}" type="slidenum">
               <a:rPr lang="en-GB"/>
             </a:fld>
+            <a:endParaRPr lang="en-GB"/>
           </a:p>
         </p:txBody>
       </p:sp>
@@ -1393,6 +1400,7 @@
             <a:fld id="{00000000-1234-1234-1234-123412341234}" type="slidenum">
               <a:rPr lang="en-GB"/>
             </a:fld>
+            <a:endParaRPr lang="en-GB"/>
           </a:p>
         </p:txBody>
       </p:sp>
@@ -1609,6 +1617,7 @@
             <a:fld id="{00000000-1234-1234-1234-123412341234}" type="slidenum">
               <a:rPr lang="en-GB"/>
             </a:fld>
+            <a:endParaRPr lang="en-GB"/>
           </a:p>
         </p:txBody>
       </p:sp>
@@ -1921,6 +1930,7 @@
             <a:fld id="{00000000-1234-1234-1234-123412341234}" type="slidenum">
               <a:rPr lang="en-GB"/>
             </a:fld>
+            <a:endParaRPr lang="en-GB"/>
           </a:p>
         </p:txBody>
       </p:sp>
@@ -2059,6 +2069,7 @@
             <a:fld id="{00000000-1234-1234-1234-123412341234}" type="slidenum">
               <a:rPr lang="en-GB"/>
             </a:fld>
+            <a:endParaRPr lang="en-GB"/>
           </a:p>
         </p:txBody>
       </p:sp>
@@ -2293,6 +2304,7 @@
             <a:fld id="{00000000-1234-1234-1234-123412341234}" type="slidenum">
               <a:rPr lang="en-GB"/>
             </a:fld>
+            <a:endParaRPr lang="en-GB"/>
           </a:p>
         </p:txBody>
       </p:sp>
@@ -2440,6 +2452,7 @@
             <a:fld id="{00000000-1234-1234-1234-123412341234}" type="slidenum">
               <a:rPr lang="en-GB"/>
             </a:fld>
+            <a:endParaRPr lang="en-GB"/>
           </a:p>
         </p:txBody>
       </p:sp>
@@ -2851,6 +2864,7 @@
             <a:fld id="{00000000-1234-1234-1234-123412341234}" type="slidenum">
               <a:rPr lang="en-GB"/>
             </a:fld>
+            <a:endParaRPr lang="en-GB"/>
           </a:p>
         </p:txBody>
       </p:sp>
@@ -2948,6 +2962,7 @@
             <a:fld id="{00000000-1234-1234-1234-123412341234}" type="slidenum">
               <a:rPr lang="en-GB"/>
             </a:fld>
+            <a:endParaRPr lang="en-GB"/>
           </a:p>
         </p:txBody>
       </p:sp>
@@ -3387,6 +3402,11 @@
                 </a:solidFill>
               </a:rPr>
             </a:fld>
+            <a:endParaRPr lang="en-GB" sz="1000">
+              <a:solidFill>
+                <a:schemeClr val="dk2"/>
+              </a:solidFill>
+            </a:endParaRPr>
           </a:p>
         </p:txBody>
       </p:sp>
@@ -3435,10 +3455,10 @@
           <a:solidFill>
             <a:srgbClr val="000000"/>
           </a:solidFill>
-          <a:latin typeface="Arial" panose="02080604020202020204" charset="0"/>
-          <a:ea typeface="Arial" panose="02080604020202020204" charset="0"/>
-          <a:cs typeface="Arial" panose="02080604020202020204" charset="0"/>
-          <a:sym typeface="Arial" panose="02080604020202020204" charset="0"/>
+          <a:latin typeface="Arial" charset="0"/>
+          <a:ea typeface="Arial" charset="0"/>
+          <a:cs typeface="Arial" charset="0"/>
+          <a:sym typeface="Arial" charset="0"/>
         </a:defRPr>
       </a:lvl1pPr>
     </p:titleStyle>
@@ -3469,10 +3489,10 @@
           <a:solidFill>
             <a:srgbClr val="000000"/>
           </a:solidFill>
-          <a:latin typeface="Arial" panose="02080604020202020204" charset="0"/>
-          <a:ea typeface="Arial" panose="02080604020202020204" charset="0"/>
-          <a:cs typeface="Arial" panose="02080604020202020204" charset="0"/>
-          <a:sym typeface="Arial" panose="02080604020202020204" charset="0"/>
+          <a:latin typeface="Arial" charset="0"/>
+          <a:ea typeface="Arial" charset="0"/>
+          <a:cs typeface="Arial" charset="0"/>
+          <a:sym typeface="Arial" charset="0"/>
         </a:defRPr>
       </a:lvl1pPr>
       <a:lvl2pPr marR="0" lvl="1" algn="l" rtl="0">
@@ -3490,10 +3510,10 @@
           <a:solidFill>
             <a:srgbClr val="000000"/>
           </a:solidFill>
-          <a:latin typeface="Arial" panose="02080604020202020204" charset="0"/>
-          <a:ea typeface="Arial" panose="02080604020202020204" charset="0"/>
-          <a:cs typeface="Arial" panose="02080604020202020204" charset="0"/>
-          <a:sym typeface="Arial" panose="02080604020202020204" charset="0"/>
+          <a:latin typeface="Arial" charset="0"/>
+          <a:ea typeface="Arial" charset="0"/>
+          <a:cs typeface="Arial" charset="0"/>
+          <a:sym typeface="Arial" charset="0"/>
         </a:defRPr>
       </a:lvl2pPr>
       <a:lvl3pPr marR="0" lvl="2" algn="l" rtl="0">
@@ -3511,10 +3531,10 @@
           <a:solidFill>
             <a:srgbClr val="000000"/>
           </a:solidFill>
-          <a:latin typeface="Arial" panose="02080604020202020204" charset="0"/>
-          <a:ea typeface="Arial" panose="02080604020202020204" charset="0"/>
-          <a:cs typeface="Arial" panose="02080604020202020204" charset="0"/>
-          <a:sym typeface="Arial" panose="02080604020202020204" charset="0"/>
+          <a:latin typeface="Arial" charset="0"/>
+          <a:ea typeface="Arial" charset="0"/>
+          <a:cs typeface="Arial" charset="0"/>
+          <a:sym typeface="Arial" charset="0"/>
         </a:defRPr>
       </a:lvl3pPr>
       <a:lvl4pPr marR="0" lvl="3" algn="l" rtl="0">
@@ -3532,10 +3552,10 @@
           <a:solidFill>
             <a:srgbClr val="000000"/>
           </a:solidFill>
-          <a:latin typeface="Arial" panose="02080604020202020204" charset="0"/>
-          <a:ea typeface="Arial" panose="02080604020202020204" charset="0"/>
-          <a:cs typeface="Arial" panose="02080604020202020204" charset="0"/>
-          <a:sym typeface="Arial" panose="02080604020202020204" charset="0"/>
+          <a:latin typeface="Arial" charset="0"/>
+          <a:ea typeface="Arial" charset="0"/>
+          <a:cs typeface="Arial" charset="0"/>
+          <a:sym typeface="Arial" charset="0"/>
         </a:defRPr>
       </a:lvl4pPr>
       <a:lvl5pPr marR="0" lvl="4" algn="l" rtl="0">
@@ -3553,10 +3573,10 @@
           <a:solidFill>
             <a:srgbClr val="000000"/>
           </a:solidFill>
-          <a:latin typeface="Arial" panose="02080604020202020204" charset="0"/>
-          <a:ea typeface="Arial" panose="02080604020202020204" charset="0"/>
-          <a:cs typeface="Arial" panose="02080604020202020204" charset="0"/>
-          <a:sym typeface="Arial" panose="02080604020202020204" charset="0"/>
+          <a:latin typeface="Arial" charset="0"/>
+          <a:ea typeface="Arial" charset="0"/>
+          <a:cs typeface="Arial" charset="0"/>
+          <a:sym typeface="Arial" charset="0"/>
         </a:defRPr>
       </a:lvl5pPr>
       <a:lvl6pPr marR="0" lvl="5" algn="l" rtl="0">
@@ -3574,10 +3594,10 @@
           <a:solidFill>
             <a:srgbClr val="000000"/>
           </a:solidFill>
-          <a:latin typeface="Arial" panose="02080604020202020204" charset="0"/>
-          <a:ea typeface="Arial" panose="02080604020202020204" charset="0"/>
-          <a:cs typeface="Arial" panose="02080604020202020204" charset="0"/>
-          <a:sym typeface="Arial" panose="02080604020202020204" charset="0"/>
+          <a:latin typeface="Arial" charset="0"/>
+          <a:ea typeface="Arial" charset="0"/>
+          <a:cs typeface="Arial" charset="0"/>
+          <a:sym typeface="Arial" charset="0"/>
         </a:defRPr>
       </a:lvl6pPr>
       <a:lvl7pPr marR="0" lvl="6" algn="l" rtl="0">
@@ -3595,10 +3615,10 @@
           <a:solidFill>
             <a:srgbClr val="000000"/>
           </a:solidFill>
-          <a:latin typeface="Arial" panose="02080604020202020204" charset="0"/>
-          <a:ea typeface="Arial" panose="02080604020202020204" charset="0"/>
-          <a:cs typeface="Arial" panose="02080604020202020204" charset="0"/>
-          <a:sym typeface="Arial" panose="02080604020202020204" charset="0"/>
+          <a:latin typeface="Arial" charset="0"/>
+          <a:ea typeface="Arial" charset="0"/>
+          <a:cs typeface="Arial" charset="0"/>
+          <a:sym typeface="Arial" charset="0"/>
         </a:defRPr>
       </a:lvl7pPr>
       <a:lvl8pPr marR="0" lvl="7" algn="l" rtl="0">
@@ -3616,10 +3636,10 @@
           <a:solidFill>
             <a:srgbClr val="000000"/>
           </a:solidFill>
-          <a:latin typeface="Arial" panose="02080604020202020204" charset="0"/>
-          <a:ea typeface="Arial" panose="02080604020202020204" charset="0"/>
-          <a:cs typeface="Arial" panose="02080604020202020204" charset="0"/>
-          <a:sym typeface="Arial" panose="02080604020202020204" charset="0"/>
+          <a:latin typeface="Arial" charset="0"/>
+          <a:ea typeface="Arial" charset="0"/>
+          <a:cs typeface="Arial" charset="0"/>
+          <a:sym typeface="Arial" charset="0"/>
         </a:defRPr>
       </a:lvl8pPr>
       <a:lvl9pPr marR="0" lvl="8" algn="l" rtl="0">
@@ -3637,10 +3657,10 @@
           <a:solidFill>
             <a:srgbClr val="000000"/>
           </a:solidFill>
-          <a:latin typeface="Arial" panose="02080604020202020204" charset="0"/>
-          <a:ea typeface="Arial" panose="02080604020202020204" charset="0"/>
-          <a:cs typeface="Arial" panose="02080604020202020204" charset="0"/>
-          <a:sym typeface="Arial" panose="02080604020202020204" charset="0"/>
+          <a:latin typeface="Arial" charset="0"/>
+          <a:ea typeface="Arial" charset="0"/>
+          <a:cs typeface="Arial" charset="0"/>
+          <a:sym typeface="Arial" charset="0"/>
         </a:defRPr>
       </a:lvl9pPr>
     </p:bodyStyle>
@@ -3671,10 +3691,10 @@
           <a:solidFill>
             <a:srgbClr val="000000"/>
           </a:solidFill>
-          <a:latin typeface="Arial" panose="02080604020202020204" charset="0"/>
-          <a:ea typeface="Arial" panose="02080604020202020204" charset="0"/>
-          <a:cs typeface="Arial" panose="02080604020202020204" charset="0"/>
-          <a:sym typeface="Arial" panose="02080604020202020204" charset="0"/>
+          <a:latin typeface="Arial" charset="0"/>
+          <a:ea typeface="Arial" charset="0"/>
+          <a:cs typeface="Arial" charset="0"/>
+          <a:sym typeface="Arial" charset="0"/>
         </a:defRPr>
       </a:lvl1pPr>
       <a:lvl2pPr marR="0" lvl="1" algn="l" rtl="0">
@@ -3692,10 +3712,10 @@
           <a:solidFill>
             <a:srgbClr val="000000"/>
           </a:solidFill>
-          <a:latin typeface="Arial" panose="02080604020202020204" charset="0"/>
-          <a:ea typeface="Arial" panose="02080604020202020204" charset="0"/>
-          <a:cs typeface="Arial" panose="02080604020202020204" charset="0"/>
-          <a:sym typeface="Arial" panose="02080604020202020204" charset="0"/>
+          <a:latin typeface="Arial" charset="0"/>
+          <a:ea typeface="Arial" charset="0"/>
+          <a:cs typeface="Arial" charset="0"/>
+          <a:sym typeface="Arial" charset="0"/>
         </a:defRPr>
       </a:lvl2pPr>
       <a:lvl3pPr marR="0" lvl="2" algn="l" rtl="0">
@@ -3713,10 +3733,10 @@
           <a:solidFill>
             <a:srgbClr val="000000"/>
           </a:solidFill>
-          <a:latin typeface="Arial" panose="02080604020202020204" charset="0"/>
-          <a:ea typeface="Arial" panose="02080604020202020204" charset="0"/>
-          <a:cs typeface="Arial" panose="02080604020202020204" charset="0"/>
-          <a:sym typeface="Arial" panose="02080604020202020204" charset="0"/>
+          <a:latin typeface="Arial" charset="0"/>
+          <a:ea typeface="Arial" charset="0"/>
+          <a:cs typeface="Arial" charset="0"/>
+          <a:sym typeface="Arial" charset="0"/>
         </a:defRPr>
       </a:lvl3pPr>
       <a:lvl4pPr marR="0" lvl="3" algn="l" rtl="0">
@@ -3734,10 +3754,10 @@
           <a:solidFill>
             <a:srgbClr val="000000"/>
           </a:solidFill>
-          <a:latin typeface="Arial" panose="02080604020202020204" charset="0"/>
-          <a:ea typeface="Arial" panose="02080604020202020204" charset="0"/>
-          <a:cs typeface="Arial" panose="02080604020202020204" charset="0"/>
-          <a:sym typeface="Arial" panose="02080604020202020204" charset="0"/>
+          <a:latin typeface="Arial" charset="0"/>
+          <a:ea typeface="Arial" charset="0"/>
+          <a:cs typeface="Arial" charset="0"/>
+          <a:sym typeface="Arial" charset="0"/>
         </a:defRPr>
       </a:lvl4pPr>
       <a:lvl5pPr marR="0" lvl="4" algn="l" rtl="0">
@@ -3755,10 +3775,10 @@
           <a:solidFill>
             <a:srgbClr val="000000"/>
           </a:solidFill>
-          <a:latin typeface="Arial" panose="02080604020202020204" charset="0"/>
-          <a:ea typeface="Arial" panose="02080604020202020204" charset="0"/>
-          <a:cs typeface="Arial" panose="02080604020202020204" charset="0"/>
-          <a:sym typeface="Arial" panose="02080604020202020204" charset="0"/>
+          <a:latin typeface="Arial" charset="0"/>
+          <a:ea typeface="Arial" charset="0"/>
+          <a:cs typeface="Arial" charset="0"/>
+          <a:sym typeface="Arial" charset="0"/>
         </a:defRPr>
       </a:lvl5pPr>
       <a:lvl6pPr marR="0" lvl="5" algn="l" rtl="0">
@@ -3776,10 +3796,10 @@
           <a:solidFill>
             <a:srgbClr val="000000"/>
           </a:solidFill>
-          <a:latin typeface="Arial" panose="02080604020202020204" charset="0"/>
-          <a:ea typeface="Arial" panose="02080604020202020204" charset="0"/>
-          <a:cs typeface="Arial" panose="02080604020202020204" charset="0"/>
-          <a:sym typeface="Arial" panose="02080604020202020204" charset="0"/>
+          <a:latin typeface="Arial" charset="0"/>
+          <a:ea typeface="Arial" charset="0"/>
+          <a:cs typeface="Arial" charset="0"/>
+          <a:sym typeface="Arial" charset="0"/>
         </a:defRPr>
       </a:lvl6pPr>
       <a:lvl7pPr marR="0" lvl="6" algn="l" rtl="0">
@@ -3797,10 +3817,10 @@
           <a:solidFill>
             <a:srgbClr val="000000"/>
           </a:solidFill>
-          <a:latin typeface="Arial" panose="02080604020202020204" charset="0"/>
-          <a:ea typeface="Arial" panose="02080604020202020204" charset="0"/>
-          <a:cs typeface="Arial" panose="02080604020202020204" charset="0"/>
-          <a:sym typeface="Arial" panose="02080604020202020204" charset="0"/>
+          <a:latin typeface="Arial" charset="0"/>
+          <a:ea typeface="Arial" charset="0"/>
+          <a:cs typeface="Arial" charset="0"/>
+          <a:sym typeface="Arial" charset="0"/>
         </a:defRPr>
       </a:lvl7pPr>
       <a:lvl8pPr marR="0" lvl="7" algn="l" rtl="0">
@@ -3818,10 +3838,10 @@
           <a:solidFill>
             <a:srgbClr val="000000"/>
           </a:solidFill>
-          <a:latin typeface="Arial" panose="02080604020202020204" charset="0"/>
-          <a:ea typeface="Arial" panose="02080604020202020204" charset="0"/>
-          <a:cs typeface="Arial" panose="02080604020202020204" charset="0"/>
-          <a:sym typeface="Arial" panose="02080604020202020204" charset="0"/>
+          <a:latin typeface="Arial" charset="0"/>
+          <a:ea typeface="Arial" charset="0"/>
+          <a:cs typeface="Arial" charset="0"/>
+          <a:sym typeface="Arial" charset="0"/>
         </a:defRPr>
       </a:lvl8pPr>
       <a:lvl9pPr marR="0" lvl="8" algn="l" rtl="0">
@@ -3839,10 +3859,10 @@
           <a:solidFill>
             <a:srgbClr val="000000"/>
           </a:solidFill>
-          <a:latin typeface="Arial" panose="02080604020202020204" charset="0"/>
-          <a:ea typeface="Arial" panose="02080604020202020204" charset="0"/>
-          <a:cs typeface="Arial" panose="02080604020202020204" charset="0"/>
-          <a:sym typeface="Arial" panose="02080604020202020204" charset="0"/>
+          <a:latin typeface="Arial" charset="0"/>
+          <a:ea typeface="Arial" charset="0"/>
+          <a:cs typeface="Arial" charset="0"/>
+          <a:sym typeface="Arial" charset="0"/>
         </a:defRPr>
       </a:lvl9pPr>
     </p:otherStyle>
@@ -3992,8 +4012,8 @@
         </p:nvSpPr>
         <p:spPr>
           <a:xfrm>
-            <a:off x="-85" y="2571855"/>
-            <a:ext cx="8520600" cy="841800"/>
+            <a:off x="1687195" y="1857375"/>
+            <a:ext cx="6838950" cy="842010"/>
           </a:xfrm>
           <a:prstGeom prst="rect">
             <a:avLst/>
@@ -4005,14 +4025,14 @@
           </a:bodyPr>
           <a:lstStyle/>
           <a:p>
-            <a:pPr lvl="0">
+            <a:pPr lvl="0" algn="l">
               <a:spcBef>
                 <a:spcPts val="0"/>
               </a:spcBef>
               <a:buNone/>
             </a:pPr>
             <a:r>
-              <a:rPr lang="en-GB" sz="3000" b="1" dirty="0" err="1">
+              <a:rPr lang="en-GB" sz="2200" dirty="0" err="1">
                 <a:solidFill>
                   <a:srgbClr val="C9394A"/>
                 </a:solidFill>
@@ -4021,6 +4041,54 @@
               </a:rPr>
               <a:t>多态是啥...</a:t>
             </a:r>
+            <a:endParaRPr lang="en-GB" sz="2200" dirty="0" err="1">
+              <a:solidFill>
+                <a:srgbClr val="C9394A"/>
+              </a:solidFill>
+              <a:latin typeface="微软雅黑" charset="0"/>
+              <a:ea typeface="微软雅黑" charset="0"/>
+            </a:endParaRPr>
+          </a:p>
+        </p:txBody>
+      </p:sp>
+      <p:sp>
+        <p:nvSpPr>
+          <p:cNvPr id="2" name="矩形 1"/>
+          <p:cNvSpPr/>
+          <p:nvPr/>
+        </p:nvSpPr>
+        <p:spPr>
+          <a:xfrm>
+            <a:off x="3128851" y="589927"/>
+            <a:ext cx="1706880" cy="581025"/>
+          </a:xfrm>
+          <a:prstGeom prst="rect">
+            <a:avLst/>
+          </a:prstGeom>
+        </p:spPr>
+        <p:txBody>
+          <a:bodyPr wrap="none">
+            <a:spAutoFit/>
+          </a:bodyPr>
+          <a:p>
+            <a:pPr algn="ctr"/>
+            <a:r>
+              <a:rPr lang="zh-CN" altLang="en-US" sz="3000" b="1" dirty="0">
+                <a:solidFill>
+                  <a:srgbClr val="C00000"/>
+                </a:solidFill>
+                <a:latin typeface="微软雅黑" pitchFamily="34" charset="-122"/>
+                <a:ea typeface="微软雅黑" pitchFamily="34" charset="-122"/>
+              </a:rPr>
+              <a:t>类的多态</a:t>
+            </a:r>
+            <a:endParaRPr lang="zh-CN" altLang="en-US" sz="3000" b="1" dirty="0">
+              <a:solidFill>
+                <a:srgbClr val="C00000"/>
+              </a:solidFill>
+              <a:latin typeface="微软雅黑" pitchFamily="34" charset="-122"/>
+              <a:ea typeface="微软雅黑" pitchFamily="34" charset="-122"/>
+            </a:endParaRPr>
           </a:p>
         </p:txBody>
       </p:sp>
@@ -4059,8 +4127,8 @@
         </p:nvSpPr>
         <p:spPr>
           <a:xfrm>
-            <a:off x="311700" y="445025"/>
-            <a:ext cx="8520600" cy="572700"/>
+            <a:off x="1687195" y="1267460"/>
+            <a:ext cx="7134860" cy="572770"/>
           </a:xfrm>
           <a:prstGeom prst="rect">
             <a:avLst/>
@@ -4072,14 +4140,14 @@
           </a:bodyPr>
           <a:lstStyle/>
           <a:p>
-            <a:pPr lvl="0" algn="ctr">
+            <a:pPr lvl="0" algn="l">
               <a:spcBef>
                 <a:spcPts val="0"/>
               </a:spcBef>
               <a:buNone/>
             </a:pPr>
             <a:r>
-              <a:rPr lang="en-GB" sz="2200" b="1" dirty="0" err="1">
+              <a:rPr lang="en-GB" sz="1800" dirty="0" err="1">
                 <a:solidFill>
                   <a:srgbClr val="C9394A"/>
                 </a:solidFill>
@@ -4088,7 +4156,7 @@
               </a:rPr>
               <a:t>多态的要素</a:t>
             </a:r>
-            <a:endParaRPr lang="en-GB" sz="2200" b="1" dirty="0" err="1">
+            <a:endParaRPr lang="en-GB" sz="1800" dirty="0" err="1">
               <a:solidFill>
                 <a:srgbClr val="C9394A"/>
               </a:solidFill>
@@ -4108,7 +4176,7 @@
         </p:nvSpPr>
         <p:spPr>
           <a:xfrm>
-            <a:off x="1683300" y="1381075"/>
+            <a:off x="1553125" y="1944955"/>
             <a:ext cx="6919800" cy="2784000"/>
           </a:xfrm>
           <a:prstGeom prst="rect">
@@ -4125,27 +4193,69 @@
               <a:spcBef>
                 <a:spcPts val="0"/>
               </a:spcBef>
-              <a:buFont typeface="Arial" panose="02080604020202020204" charset="0"/>
+              <a:buFont typeface="Arial" charset="0"/>
               <a:buChar char="•"/>
             </a:pPr>
             <a:r>
-              <a:rPr lang="en-GB"/>
+              <a:rPr lang="en-GB" sz="1500"/>
               <a:t>继承</a:t>
             </a:r>
-            <a:endParaRPr lang="en-GB"/>
+            <a:endParaRPr lang="en-GB" sz="1500"/>
           </a:p>
           <a:p>
             <a:pPr marL="514350" lvl="0" indent="-285750">
               <a:spcBef>
                 <a:spcPts val="0"/>
               </a:spcBef>
-              <a:buFont typeface="Arial" panose="02080604020202020204" charset="0"/>
+              <a:buFont typeface="Arial" charset="0"/>
               <a:buChar char="•"/>
             </a:pPr>
             <a:r>
-              <a:rPr lang="en-GB"/>
+              <a:rPr lang="en-GB" sz="1500"/>
               <a:t>方法重写</a:t>
             </a:r>
+            <a:endParaRPr lang="en-GB" sz="1500"/>
+          </a:p>
+        </p:txBody>
+      </p:sp>
+      <p:sp>
+        <p:nvSpPr>
+          <p:cNvPr id="2" name="矩形 1"/>
+          <p:cNvSpPr/>
+          <p:nvPr/>
+        </p:nvSpPr>
+        <p:spPr>
+          <a:xfrm>
+            <a:off x="3128851" y="589927"/>
+            <a:ext cx="1706880" cy="581025"/>
+          </a:xfrm>
+          <a:prstGeom prst="rect">
+            <a:avLst/>
+          </a:prstGeom>
+        </p:spPr>
+        <p:txBody>
+          <a:bodyPr wrap="none">
+            <a:spAutoFit/>
+          </a:bodyPr>
+          <a:p>
+            <a:pPr algn="ctr"/>
+            <a:r>
+              <a:rPr lang="zh-CN" altLang="en-US" sz="3000" b="1" dirty="0">
+                <a:solidFill>
+                  <a:srgbClr val="C00000"/>
+                </a:solidFill>
+                <a:latin typeface="微软雅黑" pitchFamily="34" charset="-122"/>
+                <a:ea typeface="微软雅黑" pitchFamily="34" charset="-122"/>
+              </a:rPr>
+              <a:t>类的多态</a:t>
+            </a:r>
+            <a:endParaRPr lang="zh-CN" altLang="en-US" sz="3000" b="1" dirty="0">
+              <a:solidFill>
+                <a:srgbClr val="C00000"/>
+              </a:solidFill>
+              <a:latin typeface="微软雅黑" pitchFamily="34" charset="-122"/>
+              <a:ea typeface="微软雅黑" pitchFamily="34" charset="-122"/>
+            </a:endParaRPr>
           </a:p>
         </p:txBody>
       </p:sp>

--- a/ppt/3.5-类的多态.pptx
+++ b/ppt/3.5-类的多态.pptx
@@ -4097,6 +4097,92 @@
   <p:clrMapOvr>
     <a:masterClrMapping/>
   </p:clrMapOvr>
+  <p:timing>
+    <p:tnLst>
+      <p:par>
+        <p:cTn id="1" dur="indefinite" restart="never" nodeType="tmRoot">
+          <p:childTnLst>
+            <p:seq concurrent="1" nextAc="seek">
+              <p:cTn id="2" dur="indefinite" nodeType="mainSeq">
+                <p:childTnLst>
+                  <p:par>
+                    <p:cTn id="3" fill="hold">
+                      <p:stCondLst>
+                        <p:cond delay="indefinite"/>
+                      </p:stCondLst>
+                      <p:childTnLst>
+                        <p:par>
+                          <p:cTn id="4" fill="hold">
+                            <p:stCondLst>
+                              <p:cond delay="0"/>
+                            </p:stCondLst>
+                            <p:childTnLst>
+                              <p:par>
+                                <p:cTn id="5" presetID="10" presetClass="entr" presetSubtype="0" fill="hold" grpId="0" nodeType="clickEffect">
+                                  <p:stCondLst>
+                                    <p:cond delay="0"/>
+                                  </p:stCondLst>
+                                  <p:childTnLst>
+                                    <p:set>
+                                      <p:cBhvr>
+                                        <p:cTn id="6" dur="1" fill="hold">
+                                          <p:stCondLst>
+                                            <p:cond delay="0"/>
+                                          </p:stCondLst>
+                                        </p:cTn>
+                                        <p:tgtEl>
+                                          <p:spTgt spid="60"/>
+                                        </p:tgtEl>
+                                        <p:attrNameLst>
+                                          <p:attrName>style.visibility</p:attrName>
+                                        </p:attrNameLst>
+                                      </p:cBhvr>
+                                      <p:to>
+                                        <p:strVal val="visible"/>
+                                      </p:to>
+                                    </p:set>
+                                    <p:animEffect transition="in" filter="fade">
+                                      <p:cBhvr>
+                                        <p:cTn id="7" dur="500"/>
+                                        <p:tgtEl>
+                                          <p:spTgt spid="60"/>
+                                        </p:tgtEl>
+                                      </p:cBhvr>
+                                    </p:animEffect>
+                                  </p:childTnLst>
+                                </p:cTn>
+                              </p:par>
+                            </p:childTnLst>
+                          </p:cTn>
+                        </p:par>
+                      </p:childTnLst>
+                    </p:cTn>
+                  </p:par>
+                </p:childTnLst>
+              </p:cTn>
+              <p:prevCondLst>
+                <p:cond evt="onPrev" delay="0">
+                  <p:tgtEl>
+                    <p:sldTgt/>
+                  </p:tgtEl>
+                </p:cond>
+              </p:prevCondLst>
+              <p:nextCondLst>
+                <p:cond evt="onNext" delay="0">
+                  <p:tgtEl>
+                    <p:sldTgt/>
+                  </p:tgtEl>
+                </p:cond>
+              </p:nextCondLst>
+            </p:seq>
+          </p:childTnLst>
+        </p:cTn>
+      </p:par>
+    </p:tnLst>
+    <p:bldLst>
+      <p:bldP spid="60" grpId="0"/>
+    </p:bldLst>
+  </p:timing>
 </p:sld>
 </file>
 
@@ -4264,6 +4350,215 @@
   <p:clrMapOvr>
     <a:masterClrMapping/>
   </p:clrMapOvr>
+  <p:timing>
+    <p:tnLst>
+      <p:par>
+        <p:cTn id="1" dur="indefinite" restart="never" nodeType="tmRoot">
+          <p:childTnLst>
+            <p:seq concurrent="1" nextAc="seek">
+              <p:cTn id="2" dur="indefinite" nodeType="mainSeq">
+                <p:childTnLst>
+                  <p:par>
+                    <p:cTn id="3" fill="hold">
+                      <p:stCondLst>
+                        <p:cond delay="indefinite"/>
+                      </p:stCondLst>
+                      <p:childTnLst>
+                        <p:par>
+                          <p:cTn id="4" fill="hold">
+                            <p:stCondLst>
+                              <p:cond delay="0"/>
+                            </p:stCondLst>
+                            <p:childTnLst>
+                              <p:par>
+                                <p:cTn id="5" presetID="10" presetClass="entr" presetSubtype="0" fill="hold" grpId="0" nodeType="clickEffect">
+                                  <p:stCondLst>
+                                    <p:cond delay="0"/>
+                                  </p:stCondLst>
+                                  <p:childTnLst>
+                                    <p:set>
+                                      <p:cBhvr>
+                                        <p:cTn id="6" dur="1" fill="hold">
+                                          <p:stCondLst>
+                                            <p:cond delay="0"/>
+                                          </p:stCondLst>
+                                        </p:cTn>
+                                        <p:tgtEl>
+                                          <p:spTgt spid="65"/>
+                                        </p:tgtEl>
+                                        <p:attrNameLst>
+                                          <p:attrName>style.visibility</p:attrName>
+                                        </p:attrNameLst>
+                                      </p:cBhvr>
+                                      <p:to>
+                                        <p:strVal val="visible"/>
+                                      </p:to>
+                                    </p:set>
+                                    <p:animEffect transition="in" filter="fade">
+                                      <p:cBhvr>
+                                        <p:cTn id="7" dur="500"/>
+                                        <p:tgtEl>
+                                          <p:spTgt spid="65"/>
+                                        </p:tgtEl>
+                                      </p:cBhvr>
+                                    </p:animEffect>
+                                  </p:childTnLst>
+                                </p:cTn>
+                              </p:par>
+                            </p:childTnLst>
+                          </p:cTn>
+                        </p:par>
+                      </p:childTnLst>
+                    </p:cTn>
+                  </p:par>
+                  <p:par>
+                    <p:cTn id="8" fill="hold">
+                      <p:stCondLst>
+                        <p:cond delay="indefinite"/>
+                      </p:stCondLst>
+                      <p:childTnLst>
+                        <p:par>
+                          <p:cTn id="9" fill="hold">
+                            <p:stCondLst>
+                              <p:cond delay="0"/>
+                            </p:stCondLst>
+                            <p:childTnLst>
+                              <p:par>
+                                <p:cTn id="10" presetID="10" presetClass="entr" presetSubtype="0" fill="hold" grpId="0" nodeType="clickEffect">
+                                  <p:stCondLst>
+                                    <p:cond delay="0"/>
+                                  </p:stCondLst>
+                                  <p:childTnLst>
+                                    <p:set>
+                                      <p:cBhvr>
+                                        <p:cTn id="11" dur="1" fill="hold">
+                                          <p:stCondLst>
+                                            <p:cond delay="0"/>
+                                          </p:stCondLst>
+                                        </p:cTn>
+                                        <p:tgtEl>
+                                          <p:spTgt spid="66">
+                                            <p:txEl>
+                                              <p:pRg st="0" end="0"/>
+                                            </p:txEl>
+                                          </p:spTgt>
+                                        </p:tgtEl>
+                                        <p:attrNameLst>
+                                          <p:attrName>style.visibility</p:attrName>
+                                        </p:attrNameLst>
+                                      </p:cBhvr>
+                                      <p:to>
+                                        <p:strVal val="visible"/>
+                                      </p:to>
+                                    </p:set>
+                                    <p:animEffect transition="in" filter="fade">
+                                      <p:cBhvr>
+                                        <p:cTn id="12" dur="500"/>
+                                        <p:tgtEl>
+                                          <p:spTgt spid="66">
+                                            <p:txEl>
+                                              <p:pRg st="0" end="0"/>
+                                            </p:txEl>
+                                          </p:spTgt>
+                                        </p:tgtEl>
+                                      </p:cBhvr>
+                                    </p:animEffect>
+                                  </p:childTnLst>
+                                </p:cTn>
+                              </p:par>
+                            </p:childTnLst>
+                          </p:cTn>
+                        </p:par>
+                      </p:childTnLst>
+                    </p:cTn>
+                  </p:par>
+                  <p:par>
+                    <p:cTn id="13" fill="hold">
+                      <p:stCondLst>
+                        <p:cond delay="indefinite"/>
+                      </p:stCondLst>
+                      <p:childTnLst>
+                        <p:par>
+                          <p:cTn id="14" fill="hold">
+                            <p:stCondLst>
+                              <p:cond delay="0"/>
+                            </p:stCondLst>
+                            <p:childTnLst>
+                              <p:par>
+                                <p:cTn id="15" presetID="10" presetClass="entr" presetSubtype="0" fill="hold" grpId="0" nodeType="clickEffect">
+                                  <p:stCondLst>
+                                    <p:cond delay="0"/>
+                                  </p:stCondLst>
+                                  <p:childTnLst>
+                                    <p:set>
+                                      <p:cBhvr>
+                                        <p:cTn id="16" dur="1" fill="hold">
+                                          <p:stCondLst>
+                                            <p:cond delay="0"/>
+                                          </p:stCondLst>
+                                        </p:cTn>
+                                        <p:tgtEl>
+                                          <p:spTgt spid="66">
+                                            <p:txEl>
+                                              <p:pRg st="1" end="1"/>
+                                            </p:txEl>
+                                          </p:spTgt>
+                                        </p:tgtEl>
+                                        <p:attrNameLst>
+                                          <p:attrName>style.visibility</p:attrName>
+                                        </p:attrNameLst>
+                                      </p:cBhvr>
+                                      <p:to>
+                                        <p:strVal val="visible"/>
+                                      </p:to>
+                                    </p:set>
+                                    <p:animEffect transition="in" filter="fade">
+                                      <p:cBhvr>
+                                        <p:cTn id="17" dur="500"/>
+                                        <p:tgtEl>
+                                          <p:spTgt spid="66">
+                                            <p:txEl>
+                                              <p:pRg st="1" end="1"/>
+                                            </p:txEl>
+                                          </p:spTgt>
+                                        </p:tgtEl>
+                                      </p:cBhvr>
+                                    </p:animEffect>
+                                  </p:childTnLst>
+                                </p:cTn>
+                              </p:par>
+                            </p:childTnLst>
+                          </p:cTn>
+                        </p:par>
+                      </p:childTnLst>
+                    </p:cTn>
+                  </p:par>
+                </p:childTnLst>
+              </p:cTn>
+              <p:prevCondLst>
+                <p:cond evt="onPrev" delay="0">
+                  <p:tgtEl>
+                    <p:sldTgt/>
+                  </p:tgtEl>
+                </p:cond>
+              </p:prevCondLst>
+              <p:nextCondLst>
+                <p:cond evt="onNext" delay="0">
+                  <p:tgtEl>
+                    <p:sldTgt/>
+                  </p:tgtEl>
+                </p:cond>
+              </p:nextCondLst>
+            </p:seq>
+          </p:childTnLst>
+        </p:cTn>
+      </p:par>
+    </p:tnLst>
+    <p:bldLst>
+      <p:bldP spid="65" grpId="0"/>
+      <p:bldP spid="66" grpId="0" build="p"/>
+    </p:bldLst>
+  </p:timing>
 </p:sld>
 </file>
 
